--- a/doc/abra/system/topologia.pptx
+++ b/doc/abra/system/topologia.pptx
@@ -243,7 +243,7 @@
           <a:p>
             <a:fld id="{306BC8DD-B5D8-497D-A1F0-427F14D5439E}" type="datetimeFigureOut">
               <a:rPr lang="hu-HU" smtClean="0"/>
-              <a:t>2017. 03. 22.</a:t>
+              <a:t>2017. 05. 16.</a:t>
             </a:fld>
             <a:endParaRPr lang="hu-HU"/>
           </a:p>
@@ -413,7 +413,7 @@
           <a:p>
             <a:fld id="{306BC8DD-B5D8-497D-A1F0-427F14D5439E}" type="datetimeFigureOut">
               <a:rPr lang="hu-HU" smtClean="0"/>
-              <a:t>2017. 03. 22.</a:t>
+              <a:t>2017. 05. 16.</a:t>
             </a:fld>
             <a:endParaRPr lang="hu-HU"/>
           </a:p>
@@ -593,7 +593,7 @@
           <a:p>
             <a:fld id="{306BC8DD-B5D8-497D-A1F0-427F14D5439E}" type="datetimeFigureOut">
               <a:rPr lang="hu-HU" smtClean="0"/>
-              <a:t>2017. 03. 22.</a:t>
+              <a:t>2017. 05. 16.</a:t>
             </a:fld>
             <a:endParaRPr lang="hu-HU"/>
           </a:p>
@@ -763,7 +763,7 @@
           <a:p>
             <a:fld id="{306BC8DD-B5D8-497D-A1F0-427F14D5439E}" type="datetimeFigureOut">
               <a:rPr lang="hu-HU" smtClean="0"/>
-              <a:t>2017. 03. 22.</a:t>
+              <a:t>2017. 05. 16.</a:t>
             </a:fld>
             <a:endParaRPr lang="hu-HU"/>
           </a:p>
@@ -1009,7 +1009,7 @@
           <a:p>
             <a:fld id="{306BC8DD-B5D8-497D-A1F0-427F14D5439E}" type="datetimeFigureOut">
               <a:rPr lang="hu-HU" smtClean="0"/>
-              <a:t>2017. 03. 22.</a:t>
+              <a:t>2017. 05. 16.</a:t>
             </a:fld>
             <a:endParaRPr lang="hu-HU"/>
           </a:p>
@@ -1241,7 +1241,7 @@
           <a:p>
             <a:fld id="{306BC8DD-B5D8-497D-A1F0-427F14D5439E}" type="datetimeFigureOut">
               <a:rPr lang="hu-HU" smtClean="0"/>
-              <a:t>2017. 03. 22.</a:t>
+              <a:t>2017. 05. 16.</a:t>
             </a:fld>
             <a:endParaRPr lang="hu-HU"/>
           </a:p>
@@ -1608,7 +1608,7 @@
           <a:p>
             <a:fld id="{306BC8DD-B5D8-497D-A1F0-427F14D5439E}" type="datetimeFigureOut">
               <a:rPr lang="hu-HU" smtClean="0"/>
-              <a:t>2017. 03. 22.</a:t>
+              <a:t>2017. 05. 16.</a:t>
             </a:fld>
             <a:endParaRPr lang="hu-HU"/>
           </a:p>
@@ -1726,7 +1726,7 @@
           <a:p>
             <a:fld id="{306BC8DD-B5D8-497D-A1F0-427F14D5439E}" type="datetimeFigureOut">
               <a:rPr lang="hu-HU" smtClean="0"/>
-              <a:t>2017. 03. 22.</a:t>
+              <a:t>2017. 05. 16.</a:t>
             </a:fld>
             <a:endParaRPr lang="hu-HU"/>
           </a:p>
@@ -1821,7 +1821,7 @@
           <a:p>
             <a:fld id="{306BC8DD-B5D8-497D-A1F0-427F14D5439E}" type="datetimeFigureOut">
               <a:rPr lang="hu-HU" smtClean="0"/>
-              <a:t>2017. 03. 22.</a:t>
+              <a:t>2017. 05. 16.</a:t>
             </a:fld>
             <a:endParaRPr lang="hu-HU"/>
           </a:p>
@@ -2098,7 +2098,7 @@
           <a:p>
             <a:fld id="{306BC8DD-B5D8-497D-A1F0-427F14D5439E}" type="datetimeFigureOut">
               <a:rPr lang="hu-HU" smtClean="0"/>
-              <a:t>2017. 03. 22.</a:t>
+              <a:t>2017. 05. 16.</a:t>
             </a:fld>
             <a:endParaRPr lang="hu-HU"/>
           </a:p>
@@ -2351,7 +2351,7 @@
           <a:p>
             <a:fld id="{306BC8DD-B5D8-497D-A1F0-427F14D5439E}" type="datetimeFigureOut">
               <a:rPr lang="hu-HU" smtClean="0"/>
-              <a:t>2017. 03. 22.</a:t>
+              <a:t>2017. 05. 16.</a:t>
             </a:fld>
             <a:endParaRPr lang="hu-HU"/>
           </a:p>
@@ -2564,7 +2564,7 @@
           <a:p>
             <a:fld id="{306BC8DD-B5D8-497D-A1F0-427F14D5439E}" type="datetimeFigureOut">
               <a:rPr lang="hu-HU" smtClean="0"/>
-              <a:t>2017. 03. 22.</a:t>
+              <a:t>2017. 05. 16.</a:t>
             </a:fld>
             <a:endParaRPr lang="hu-HU"/>
           </a:p>
@@ -2983,6 +2983,12 @@
           <a:prstGeom prst="rect">
             <a:avLst/>
           </a:prstGeom>
+          <a:solidFill>
+            <a:schemeClr val="accent3">
+              <a:lumMod val="40000"/>
+              <a:lumOff val="60000"/>
+            </a:schemeClr>
+          </a:solidFill>
           <a:ln>
             <a:noFill/>
           </a:ln>
@@ -3008,7 +3014,19 @@
           <a:lstStyle/>
           <a:p>
             <a:pPr algn="ctr"/>
-            <a:endParaRPr lang="hu-HU"/>
+            <a:endParaRPr lang="hu-HU" dirty="0">
+              <a:ln w="0"/>
+              <a:solidFill>
+                <a:schemeClr val="tx1"/>
+              </a:solidFill>
+              <a:effectLst>
+                <a:outerShdw blurRad="38100" dist="19050" dir="2700000" algn="tl" rotWithShape="0">
+                  <a:schemeClr val="dk1">
+                    <a:alpha val="40000"/>
+                  </a:schemeClr>
+                </a:outerShdw>
+              </a:effectLst>
+            </a:endParaRPr>
           </a:p>
         </p:txBody>
       </p:sp>
@@ -3253,9 +3271,9 @@
         <p:grpSpPr>
           <a:xfrm>
             <a:off x="6113903" y="2273529"/>
-            <a:ext cx="1375719" cy="1150686"/>
+            <a:ext cx="1484616" cy="1150686"/>
             <a:chOff x="4913475" y="2389681"/>
-            <a:chExt cx="1375719" cy="1150686"/>
+            <a:chExt cx="1484616" cy="1150686"/>
           </a:xfrm>
         </p:grpSpPr>
         <p:sp>
@@ -3306,8 +3324,8 @@
           </p:nvSpPr>
           <p:spPr>
             <a:xfrm>
-              <a:off x="5080339" y="3171035"/>
-              <a:ext cx="1105176" cy="369332"/>
+              <a:off x="4964754" y="3171035"/>
+              <a:ext cx="1433337" cy="369332"/>
             </a:xfrm>
             <a:prstGeom prst="rect">
               <a:avLst/>
@@ -3322,7 +3340,7 @@
             <a:p>
               <a:r>
                 <a:rPr lang="hu-HU" dirty="0" smtClean="0"/>
-                <a:t>Manager</a:t>
+                <a:t>Menedzser</a:t>
               </a:r>
               <a:endParaRPr lang="hu-HU" dirty="0"/>
             </a:p>
@@ -3392,9 +3410,9 @@
         <p:grpSpPr>
           <a:xfrm>
             <a:off x="9620676" y="114414"/>
-            <a:ext cx="1375719" cy="1160674"/>
+            <a:ext cx="1507707" cy="1149479"/>
             <a:chOff x="7613292" y="3033525"/>
-            <a:chExt cx="1375719" cy="1160674"/>
+            <a:chExt cx="1507707" cy="1149479"/>
           </a:xfrm>
         </p:grpSpPr>
         <p:sp>
@@ -3445,8 +3463,8 @@
           </p:nvSpPr>
           <p:spPr>
             <a:xfrm>
-              <a:off x="7857103" y="3824867"/>
-              <a:ext cx="1028122" cy="369332"/>
+              <a:off x="7686377" y="3813672"/>
+              <a:ext cx="1434622" cy="369332"/>
             </a:xfrm>
             <a:prstGeom prst="rect">
               <a:avLst/>
@@ -3461,7 +3479,7 @@
             <a:p>
               <a:r>
                 <a:rPr lang="hu-HU" dirty="0" smtClean="0"/>
-                <a:t>Actuator</a:t>
+                <a:t>Beavatkozó</a:t>
               </a:r>
               <a:endParaRPr lang="hu-HU" dirty="0"/>
             </a:p>
@@ -3729,8 +3747,8 @@
           </p:nvSpPr>
           <p:spPr>
             <a:xfrm>
-              <a:off x="7857103" y="3824867"/>
-              <a:ext cx="1028122" cy="369332"/>
+              <a:off x="7690606" y="3824867"/>
+              <a:ext cx="1291960" cy="369332"/>
             </a:xfrm>
             <a:prstGeom prst="rect">
               <a:avLst/>
@@ -3744,8 +3762,8 @@
             <a:lstStyle/>
             <a:p>
               <a:r>
-                <a:rPr lang="hu-HU" dirty="0" smtClean="0"/>
-                <a:t>Actuator</a:t>
+                <a:rPr lang="hu-HU" dirty="0"/>
+                <a:t>Beavatkozó</a:t>
               </a:r>
               <a:endParaRPr lang="hu-HU" dirty="0"/>
             </a:p>
@@ -3814,10 +3832,10 @@
         </p:nvGrpSpPr>
         <p:grpSpPr>
           <a:xfrm>
-            <a:off x="7406829" y="607675"/>
-            <a:ext cx="2340045" cy="2074938"/>
-            <a:chOff x="7406829" y="607675"/>
-            <a:chExt cx="2340045" cy="2074938"/>
+            <a:off x="7397981" y="648402"/>
+            <a:ext cx="2349455" cy="2034211"/>
+            <a:chOff x="7397981" y="648402"/>
+            <a:chExt cx="2349455" cy="2034211"/>
           </a:xfrm>
         </p:grpSpPr>
         <p:cxnSp>
@@ -3892,8 +3910,8 @@
           </p:nvSpPr>
           <p:spPr>
             <a:xfrm rot="18974638">
-              <a:off x="9039693" y="607675"/>
-              <a:ext cx="707181" cy="338554"/>
+              <a:off x="8964914" y="648402"/>
+              <a:ext cx="782522" cy="338554"/>
             </a:xfrm>
             <a:prstGeom prst="rect">
               <a:avLst/>
@@ -3908,7 +3926,7 @@
             <a:p>
               <a:r>
                 <a:rPr lang="hu-HU" sz="1600" dirty="0" smtClean="0"/>
-                <a:t>server</a:t>
+                <a:t>szerver</a:t>
               </a:r>
               <a:endParaRPr lang="hu-HU" sz="1600" dirty="0"/>
             </a:p>
@@ -3922,8 +3940,8 @@
           </p:nvSpPr>
           <p:spPr>
             <a:xfrm rot="18974638">
-              <a:off x="7406829" y="2192294"/>
-              <a:ext cx="586956" cy="307777"/>
+              <a:off x="7397981" y="2192294"/>
+              <a:ext cx="604653" cy="307777"/>
             </a:xfrm>
             <a:prstGeom prst="rect">
               <a:avLst/>
@@ -3938,7 +3956,7 @@
             <a:p>
               <a:r>
                 <a:rPr lang="hu-HU" sz="1400" dirty="0" smtClean="0"/>
-                <a:t>client</a:t>
+                <a:t>kliens</a:t>
               </a:r>
               <a:endParaRPr lang="hu-HU" sz="1400" dirty="0"/>
             </a:p>
@@ -3953,10 +3971,10 @@
         </p:nvGrpSpPr>
         <p:grpSpPr>
           <a:xfrm rot="2612364">
-            <a:off x="7784718" y="1919412"/>
-            <a:ext cx="1891978" cy="1747789"/>
-            <a:chOff x="6549855" y="942336"/>
-            <a:chExt cx="2214086" cy="1971836"/>
+            <a:off x="7740427" y="1901249"/>
+            <a:ext cx="1990503" cy="1767025"/>
+            <a:chOff x="6489536" y="920634"/>
+            <a:chExt cx="2329385" cy="1993538"/>
           </a:xfrm>
         </p:grpSpPr>
         <p:cxnSp>
@@ -4031,8 +4049,8 @@
           </p:nvSpPr>
           <p:spPr>
             <a:xfrm rot="18974638">
-              <a:off x="8007453" y="942336"/>
-              <a:ext cx="707181" cy="338554"/>
+              <a:off x="7903175" y="920634"/>
+              <a:ext cx="915746" cy="381953"/>
             </a:xfrm>
             <a:prstGeom prst="rect">
               <a:avLst/>
@@ -4047,7 +4065,7 @@
             <a:p>
               <a:r>
                 <a:rPr lang="hu-HU" sz="1600" dirty="0" smtClean="0"/>
-                <a:t>server</a:t>
+                <a:t>szerver</a:t>
               </a:r>
               <a:endParaRPr lang="hu-HU" sz="1600" dirty="0"/>
             </a:p>
@@ -4061,8 +4079,8 @@
           </p:nvSpPr>
           <p:spPr>
             <a:xfrm rot="18974638">
-              <a:off x="6549855" y="2382245"/>
-              <a:ext cx="586956" cy="307777"/>
+              <a:off x="6489536" y="2362518"/>
+              <a:ext cx="707595" cy="347231"/>
             </a:xfrm>
             <a:prstGeom prst="rect">
               <a:avLst/>
@@ -4077,7 +4095,7 @@
             <a:p>
               <a:r>
                 <a:rPr lang="hu-HU" sz="1400" dirty="0" smtClean="0"/>
-                <a:t>client</a:t>
+                <a:t>kliens</a:t>
               </a:r>
               <a:endParaRPr lang="hu-HU" sz="1400" dirty="0"/>
             </a:p>
@@ -4092,10 +4110,10 @@
         </p:nvGrpSpPr>
         <p:grpSpPr>
           <a:xfrm rot="4782095">
-            <a:off x="7538996" y="3095578"/>
-            <a:ext cx="2076293" cy="1861923"/>
-            <a:chOff x="6492452" y="950707"/>
-            <a:chExt cx="2271489" cy="1963465"/>
+            <a:off x="7519874" y="3079617"/>
+            <a:ext cx="2108738" cy="1861923"/>
+            <a:chOff x="6456957" y="950707"/>
+            <a:chExt cx="2306984" cy="1963465"/>
           </a:xfrm>
         </p:grpSpPr>
         <p:cxnSp>
@@ -4170,8 +4188,8 @@
           </p:nvSpPr>
           <p:spPr>
             <a:xfrm rot="18974638">
-              <a:off x="7970087" y="994838"/>
-              <a:ext cx="701481" cy="357017"/>
+              <a:off x="7959389" y="994838"/>
+              <a:ext cx="722877" cy="357017"/>
             </a:xfrm>
             <a:prstGeom prst="rect">
               <a:avLst/>
@@ -4186,7 +4204,7 @@
             <a:p>
               <a:r>
                 <a:rPr lang="hu-HU" sz="1600" dirty="0" smtClean="0"/>
-                <a:t>client</a:t>
+                <a:t>kliens</a:t>
               </a:r>
               <a:endParaRPr lang="hu-HU" sz="1600" dirty="0"/>
             </a:p>
@@ -4200,8 +4218,8 @@
           </p:nvSpPr>
           <p:spPr>
             <a:xfrm rot="18974638">
-              <a:off x="6492452" y="2373854"/>
-              <a:ext cx="701762" cy="324562"/>
+              <a:off x="6456957" y="2373855"/>
+              <a:ext cx="772752" cy="324562"/>
             </a:xfrm>
             <a:prstGeom prst="rect">
               <a:avLst/>
@@ -4216,7 +4234,7 @@
             <a:p>
               <a:r>
                 <a:rPr lang="hu-HU" sz="1400" dirty="0" smtClean="0"/>
-                <a:t>server</a:t>
+                <a:t>szerver</a:t>
               </a:r>
               <a:endParaRPr lang="hu-HU" sz="1400" dirty="0"/>
             </a:p>
@@ -4231,10 +4249,10 @@
         </p:nvGrpSpPr>
         <p:grpSpPr>
           <a:xfrm>
-            <a:off x="9665510" y="4240698"/>
-            <a:ext cx="1434622" cy="1214458"/>
+            <a:off x="9665510" y="4240697"/>
+            <a:ext cx="1434622" cy="1202744"/>
             <a:chOff x="8752490" y="4055498"/>
-            <a:chExt cx="1375719" cy="1160674"/>
+            <a:chExt cx="1375719" cy="1149479"/>
           </a:xfrm>
         </p:grpSpPr>
         <p:sp>
@@ -4286,7 +4304,7 @@
           <p:spPr>
             <a:xfrm>
               <a:off x="9111491" y="4846840"/>
-              <a:ext cx="912932" cy="369332"/>
+              <a:ext cx="912932" cy="352976"/>
             </a:xfrm>
             <a:prstGeom prst="rect">
               <a:avLst/>
@@ -4301,7 +4319,7 @@
             <a:p>
               <a:r>
                 <a:rPr lang="hu-HU" dirty="0" smtClean="0"/>
-                <a:t>Sensor</a:t>
+                <a:t>Szenzor</a:t>
               </a:r>
               <a:endParaRPr lang="hu-HU" dirty="0"/>
             </a:p>
@@ -4370,10 +4388,10 @@
         </p:nvGrpSpPr>
         <p:grpSpPr>
           <a:xfrm rot="6047410">
-            <a:off x="6554427" y="3543958"/>
-            <a:ext cx="1878403" cy="1665418"/>
-            <a:chOff x="6492452" y="950707"/>
-            <a:chExt cx="2271489" cy="1963465"/>
+            <a:off x="6539890" y="3526393"/>
+            <a:ext cx="1914170" cy="1665418"/>
+            <a:chOff x="6449201" y="950707"/>
+            <a:chExt cx="2314740" cy="1963465"/>
           </a:xfrm>
         </p:grpSpPr>
         <p:cxnSp>
@@ -4448,8 +4466,8 @@
           </p:nvSpPr>
           <p:spPr>
             <a:xfrm rot="18974638">
-              <a:off x="7970087" y="994838"/>
-              <a:ext cx="701481" cy="357017"/>
+              <a:off x="7921314" y="973776"/>
+              <a:ext cx="799032" cy="399142"/>
             </a:xfrm>
             <a:prstGeom prst="rect">
               <a:avLst/>
@@ -4464,7 +4482,7 @@
             <a:p>
               <a:r>
                 <a:rPr lang="hu-HU" sz="1600" dirty="0" smtClean="0"/>
-                <a:t>client</a:t>
+                <a:t>kliens</a:t>
               </a:r>
               <a:endParaRPr lang="hu-HU" sz="1600" dirty="0"/>
             </a:p>
@@ -4478,8 +4496,8 @@
           </p:nvSpPr>
           <p:spPr>
             <a:xfrm rot="18974638">
-              <a:off x="6492452" y="2373854"/>
-              <a:ext cx="701762" cy="324562"/>
+              <a:off x="6449201" y="2289600"/>
+              <a:ext cx="925400" cy="362857"/>
             </a:xfrm>
             <a:prstGeom prst="rect">
               <a:avLst/>
@@ -4487,14 +4505,14 @@
             <a:noFill/>
           </p:spPr>
           <p:txBody>
-            <a:bodyPr wrap="none" rtlCol="0">
+            <a:bodyPr wrap="square" rtlCol="0">
               <a:spAutoFit/>
             </a:bodyPr>
             <a:lstStyle/>
             <a:p>
               <a:r>
                 <a:rPr lang="hu-HU" sz="1400" dirty="0" smtClean="0"/>
-                <a:t>server</a:t>
+                <a:t>szerver</a:t>
               </a:r>
               <a:endParaRPr lang="hu-HU" sz="1400" dirty="0"/>
             </a:p>
@@ -4509,10 +4527,10 @@
         </p:nvGrpSpPr>
         <p:grpSpPr>
           <a:xfrm>
-            <a:off x="7916376" y="5443023"/>
-            <a:ext cx="1434622" cy="1214458"/>
+            <a:off x="7916376" y="5443022"/>
+            <a:ext cx="1434622" cy="1202744"/>
             <a:chOff x="8752490" y="4055498"/>
-            <a:chExt cx="1375719" cy="1160674"/>
+            <a:chExt cx="1375719" cy="1149479"/>
           </a:xfrm>
         </p:grpSpPr>
         <p:sp>
@@ -4564,7 +4582,7 @@
           <p:spPr>
             <a:xfrm>
               <a:off x="9111491" y="4846840"/>
-              <a:ext cx="912932" cy="369332"/>
+              <a:ext cx="912932" cy="352976"/>
             </a:xfrm>
             <a:prstGeom prst="rect">
               <a:avLst/>
@@ -4579,7 +4597,7 @@
             <a:p>
               <a:r>
                 <a:rPr lang="hu-HU" dirty="0" smtClean="0"/>
-                <a:t>Sensor</a:t>
+                <a:t>Szenzor</a:t>
               </a:r>
               <a:endParaRPr lang="hu-HU" dirty="0"/>
             </a:p>
@@ -4640,6 +4658,36 @@
           </p:spPr>
         </p:pic>
       </p:grpSp>
+      <p:sp>
+        <p:nvSpPr>
+          <p:cNvPr id="2" name="Szövegdoboz 1"/>
+          <p:cNvSpPr txBox="1"/>
+          <p:nvPr/>
+        </p:nvSpPr>
+        <p:spPr>
+          <a:xfrm>
+            <a:off x="4998357" y="47844"/>
+            <a:ext cx="1672657" cy="584775"/>
+          </a:xfrm>
+          <a:prstGeom prst="rect">
+            <a:avLst/>
+          </a:prstGeom>
+          <a:noFill/>
+        </p:spPr>
+        <p:txBody>
+          <a:bodyPr wrap="square" rtlCol="0">
+            <a:spAutoFit/>
+          </a:bodyPr>
+          <a:lstStyle/>
+          <a:p>
+            <a:r>
+              <a:rPr lang="hu-HU" sz="3200" dirty="0" smtClean="0"/>
+              <a:t>Lakás</a:t>
+            </a:r>
+            <a:endParaRPr lang="hu-HU" sz="3200" dirty="0"/>
+          </a:p>
+        </p:txBody>
+      </p:sp>
     </p:spTree>
     <p:extLst>
       <p:ext uri="{BB962C8B-B14F-4D97-AF65-F5344CB8AC3E}">
